--- a/docs/src/personas/personas.pptx
+++ b/docs/src/personas/personas.pptx
@@ -210,7 +210,7 @@
           <a:p>
             <a:fld id="{EEAB6674-EB27-994C-A905-1D122DBD1C2E}" type="datetimeFigureOut">
               <a:rPr lang="en-US" smtClean="0"/>
-              <a:t>4/24/2020</a:t>
+              <a:t>4/25/2020</a:t>
             </a:fld>
             <a:endParaRPr lang="en-US"/>
           </a:p>
@@ -911,7 +911,7 @@
           <a:p>
             <a:fld id="{51F8EF0B-12BF-FB45-8F30-C3AAC4427A0F}" type="datetimeFigureOut">
               <a:rPr lang="en-US" smtClean="0"/>
-              <a:t>4/24/2020</a:t>
+              <a:t>4/25/2020</a:t>
             </a:fld>
             <a:endParaRPr lang="en-US"/>
           </a:p>
@@ -1081,7 +1081,7 @@
           <a:p>
             <a:fld id="{51F8EF0B-12BF-FB45-8F30-C3AAC4427A0F}" type="datetimeFigureOut">
               <a:rPr lang="en-US" smtClean="0"/>
-              <a:t>4/24/2020</a:t>
+              <a:t>4/25/2020</a:t>
             </a:fld>
             <a:endParaRPr lang="en-US"/>
           </a:p>
@@ -1261,7 +1261,7 @@
           <a:p>
             <a:fld id="{51F8EF0B-12BF-FB45-8F30-C3AAC4427A0F}" type="datetimeFigureOut">
               <a:rPr lang="en-US" smtClean="0"/>
-              <a:t>4/24/2020</a:t>
+              <a:t>4/25/2020</a:t>
             </a:fld>
             <a:endParaRPr lang="en-US"/>
           </a:p>
@@ -1431,7 +1431,7 @@
           <a:p>
             <a:fld id="{51F8EF0B-12BF-FB45-8F30-C3AAC4427A0F}" type="datetimeFigureOut">
               <a:rPr lang="en-US" smtClean="0"/>
-              <a:t>4/24/2020</a:t>
+              <a:t>4/25/2020</a:t>
             </a:fld>
             <a:endParaRPr lang="en-US"/>
           </a:p>
@@ -1677,7 +1677,7 @@
           <a:p>
             <a:fld id="{51F8EF0B-12BF-FB45-8F30-C3AAC4427A0F}" type="datetimeFigureOut">
               <a:rPr lang="en-US" smtClean="0"/>
-              <a:t>4/24/2020</a:t>
+              <a:t>4/25/2020</a:t>
             </a:fld>
             <a:endParaRPr lang="en-US"/>
           </a:p>
@@ -1965,7 +1965,7 @@
           <a:p>
             <a:fld id="{51F8EF0B-12BF-FB45-8F30-C3AAC4427A0F}" type="datetimeFigureOut">
               <a:rPr lang="en-US" smtClean="0"/>
-              <a:t>4/24/2020</a:t>
+              <a:t>4/25/2020</a:t>
             </a:fld>
             <a:endParaRPr lang="en-US"/>
           </a:p>
@@ -2387,7 +2387,7 @@
           <a:p>
             <a:fld id="{51F8EF0B-12BF-FB45-8F30-C3AAC4427A0F}" type="datetimeFigureOut">
               <a:rPr lang="en-US" smtClean="0"/>
-              <a:t>4/24/2020</a:t>
+              <a:t>4/25/2020</a:t>
             </a:fld>
             <a:endParaRPr lang="en-US"/>
           </a:p>
@@ -2505,7 +2505,7 @@
           <a:p>
             <a:fld id="{51F8EF0B-12BF-FB45-8F30-C3AAC4427A0F}" type="datetimeFigureOut">
               <a:rPr lang="en-US" smtClean="0"/>
-              <a:t>4/24/2020</a:t>
+              <a:t>4/25/2020</a:t>
             </a:fld>
             <a:endParaRPr lang="en-US"/>
           </a:p>
@@ -2600,7 +2600,7 @@
           <a:p>
             <a:fld id="{51F8EF0B-12BF-FB45-8F30-C3AAC4427A0F}" type="datetimeFigureOut">
               <a:rPr lang="en-US" smtClean="0"/>
-              <a:t>4/24/2020</a:t>
+              <a:t>4/25/2020</a:t>
             </a:fld>
             <a:endParaRPr lang="en-US"/>
           </a:p>
@@ -2877,7 +2877,7 @@
           <a:p>
             <a:fld id="{51F8EF0B-12BF-FB45-8F30-C3AAC4427A0F}" type="datetimeFigureOut">
               <a:rPr lang="en-US" smtClean="0"/>
-              <a:t>4/24/2020</a:t>
+              <a:t>4/25/2020</a:t>
             </a:fld>
             <a:endParaRPr lang="en-US"/>
           </a:p>
@@ -3130,7 +3130,7 @@
           <a:p>
             <a:fld id="{51F8EF0B-12BF-FB45-8F30-C3AAC4427A0F}" type="datetimeFigureOut">
               <a:rPr lang="en-US" smtClean="0"/>
-              <a:t>4/24/2020</a:t>
+              <a:t>4/25/2020</a:t>
             </a:fld>
             <a:endParaRPr lang="en-US"/>
           </a:p>
@@ -3343,7 +3343,7 @@
           <a:p>
             <a:fld id="{51F8EF0B-12BF-FB45-8F30-C3AAC4427A0F}" type="datetimeFigureOut">
               <a:rPr lang="en-US" smtClean="0"/>
-              <a:t>4/24/2020</a:t>
+              <a:t>4/25/2020</a:t>
             </a:fld>
             <a:endParaRPr lang="en-US"/>
           </a:p>
@@ -3741,36 +3741,6 @@
           </a:prstGeom>
         </p:spPr>
       </p:pic>
-      <p:pic>
-        <p:nvPicPr>
-          <p:cNvPr id="8" name="Picture 7" descr="logo-jim-blanc.png"/>
-          <p:cNvPicPr>
-            <a:picLocks noChangeAspect="1"/>
-          </p:cNvPicPr>
-          <p:nvPr/>
-        </p:nvPicPr>
-        <p:blipFill>
-          <a:blip r:embed="rId4">
-            <a:extLst>
-              <a:ext uri="{28A0092B-C50C-407E-A947-70E740481C1C}">
-                <a14:useLocalDpi xmlns:a14="http://schemas.microsoft.com/office/drawing/2010/main" val="0"/>
-              </a:ext>
-            </a:extLst>
-          </a:blip>
-          <a:stretch>
-            <a:fillRect/>
-          </a:stretch>
-        </p:blipFill>
-        <p:spPr>
-          <a:xfrm>
-            <a:off x="401390" y="250040"/>
-            <a:ext cx="1625308" cy="435221"/>
-          </a:xfrm>
-          <a:prstGeom prst="rect">
-            <a:avLst/>
-          </a:prstGeom>
-        </p:spPr>
-      </p:pic>
       <p:sp>
         <p:nvSpPr>
           <p:cNvPr id="10" name="Rectangle 9"/>
@@ -6198,6 +6168,36 @@
           <p:nvPr/>
         </p:nvPicPr>
         <p:blipFill>
+          <a:blip r:embed="rId4">
+            <a:extLst>
+              <a:ext uri="{28A0092B-C50C-407E-A947-70E740481C1C}">
+                <a14:useLocalDpi xmlns:a14="http://schemas.microsoft.com/office/drawing/2010/main" val="0"/>
+              </a:ext>
+            </a:extLst>
+          </a:blip>
+          <a:stretch>
+            <a:fillRect/>
+          </a:stretch>
+        </p:blipFill>
+        <p:spPr>
+          <a:xfrm>
+            <a:off x="4278357" y="222943"/>
+            <a:ext cx="223533" cy="223533"/>
+          </a:xfrm>
+          <a:prstGeom prst="rect">
+            <a:avLst/>
+          </a:prstGeom>
+        </p:spPr>
+      </p:pic>
+      <p:pic>
+        <p:nvPicPr>
+          <p:cNvPr id="98" name="Picture 97" descr="frustrations-icon.png"/>
+          <p:cNvPicPr>
+            <a:picLocks noChangeAspect="1"/>
+          </p:cNvPicPr>
+          <p:nvPr/>
+        </p:nvPicPr>
+        <p:blipFill>
           <a:blip r:embed="rId5">
             <a:extLst>
               <a:ext uri="{28A0092B-C50C-407E-A947-70E740481C1C}">
@@ -6211,8 +6211,8 @@
         </p:blipFill>
         <p:spPr>
           <a:xfrm>
-            <a:off x="4278357" y="222943"/>
-            <a:ext cx="223533" cy="223533"/>
+            <a:off x="4968035" y="4316385"/>
+            <a:ext cx="208249" cy="208249"/>
           </a:xfrm>
           <a:prstGeom prst="rect">
             <a:avLst/>
@@ -6221,7 +6221,7 @@
       </p:pic>
       <p:pic>
         <p:nvPicPr>
-          <p:cNvPr id="98" name="Picture 97" descr="frustrations-icon.png"/>
+          <p:cNvPr id="99" name="Picture 98" descr="goals-icon.png"/>
           <p:cNvPicPr>
             <a:picLocks noChangeAspect="1"/>
           </p:cNvPicPr>
@@ -6241,8 +6241,8 @@
         </p:blipFill>
         <p:spPr>
           <a:xfrm>
-            <a:off x="4968035" y="4316385"/>
-            <a:ext cx="208249" cy="208249"/>
+            <a:off x="2726668" y="4233476"/>
+            <a:ext cx="240427" cy="240427"/>
           </a:xfrm>
           <a:prstGeom prst="rect">
             <a:avLst/>
@@ -6251,7 +6251,7 @@
       </p:pic>
       <p:pic>
         <p:nvPicPr>
-          <p:cNvPr id="99" name="Picture 98" descr="goals-icon.png"/>
+          <p:cNvPr id="101" name="Picture 100" descr="personality-icon.png"/>
           <p:cNvPicPr>
             <a:picLocks noChangeAspect="1"/>
           </p:cNvPicPr>
@@ -6271,7 +6271,7 @@
         </p:blipFill>
         <p:spPr>
           <a:xfrm>
-            <a:off x="2726668" y="4233476"/>
+            <a:off x="2596717" y="209907"/>
             <a:ext cx="240427" cy="240427"/>
           </a:xfrm>
           <a:prstGeom prst="rect">
@@ -6281,7 +6281,7 @@
       </p:pic>
       <p:pic>
         <p:nvPicPr>
-          <p:cNvPr id="101" name="Picture 100" descr="personality-icon.png"/>
+          <p:cNvPr id="3" name="Picture 2" descr="motivations-icon.png"/>
           <p:cNvPicPr>
             <a:picLocks noChangeAspect="1"/>
           </p:cNvPicPr>
@@ -6301,36 +6301,6 @@
         </p:blipFill>
         <p:spPr>
           <a:xfrm>
-            <a:off x="2596717" y="209907"/>
-            <a:ext cx="240427" cy="240427"/>
-          </a:xfrm>
-          <a:prstGeom prst="rect">
-            <a:avLst/>
-          </a:prstGeom>
-        </p:spPr>
-      </p:pic>
-      <p:pic>
-        <p:nvPicPr>
-          <p:cNvPr id="3" name="Picture 2" descr="motivations-icon.png"/>
-          <p:cNvPicPr>
-            <a:picLocks noChangeAspect="1"/>
-          </p:cNvPicPr>
-          <p:nvPr/>
-        </p:nvPicPr>
-        <p:blipFill>
-          <a:blip r:embed="rId9">
-            <a:extLst>
-              <a:ext uri="{28A0092B-C50C-407E-A947-70E740481C1C}">
-                <a14:useLocalDpi xmlns:a14="http://schemas.microsoft.com/office/drawing/2010/main" val="0"/>
-              </a:ext>
-            </a:extLst>
-          </a:blip>
-          <a:stretch>
-            <a:fillRect/>
-          </a:stretch>
-        </p:blipFill>
-        <p:spPr>
-          <a:xfrm>
             <a:off x="2755199" y="3006655"/>
             <a:ext cx="158808" cy="230832"/>
           </a:xfrm>
@@ -6760,6 +6730,54 @@
           <a:p>
             <a:pPr algn="ctr"/>
             <a:endParaRPr lang="en-US" dirty="0"/>
+          </a:p>
+        </p:txBody>
+      </p:sp>
+      <p:sp>
+        <p:nvSpPr>
+          <p:cNvPr id="4" name="CasellaDiTesto 3">
+            <a:extLst>
+              <a:ext uri="{FF2B5EF4-FFF2-40B4-BE49-F238E27FC236}">
+                <a16:creationId xmlns:a16="http://schemas.microsoft.com/office/drawing/2014/main" id="{0D431E32-B0C9-43C5-B73B-D1C4EB4AD7BC}"/>
+              </a:ext>
+            </a:extLst>
+          </p:cNvPr>
+          <p:cNvSpPr txBox="1"/>
+          <p:nvPr/>
+        </p:nvSpPr>
+        <p:spPr>
+          <a:xfrm>
+            <a:off x="329065" y="147676"/>
+            <a:ext cx="1593706" cy="830997"/>
+          </a:xfrm>
+          <a:prstGeom prst="rect">
+            <a:avLst/>
+          </a:prstGeom>
+          <a:noFill/>
+        </p:spPr>
+        <p:txBody>
+          <a:bodyPr wrap="none" rtlCol="0">
+            <a:spAutoFit/>
+          </a:bodyPr>
+          <a:lstStyle/>
+          <a:p>
+            <a:r>
+              <a:rPr lang="en-GB" sz="4800" dirty="0" err="1">
+                <a:solidFill>
+                  <a:schemeClr val="bg1"/>
+                </a:solidFill>
+                <a:latin typeface="Calibri Light" panose="020F0302020204030204" pitchFamily="34" charset="0"/>
+                <a:cs typeface="Calibri Light" panose="020F0302020204030204" pitchFamily="34" charset="0"/>
+              </a:rPr>
+              <a:t>MuSa</a:t>
+            </a:r>
+            <a:endParaRPr lang="it-IT" sz="4800" dirty="0">
+              <a:solidFill>
+                <a:schemeClr val="bg1"/>
+              </a:solidFill>
+              <a:latin typeface="Calibri Light" panose="020F0302020204030204" pitchFamily="34" charset="0"/>
+              <a:cs typeface="Calibri Light" panose="020F0302020204030204" pitchFamily="34" charset="0"/>
+            </a:endParaRPr>
           </a:p>
         </p:txBody>
       </p:sp>
@@ -6816,36 +6834,6 @@
           </a:prstGeom>
         </p:spPr>
       </p:pic>
-      <p:pic>
-        <p:nvPicPr>
-          <p:cNvPr id="8" name="Picture 7" descr="logo-jim-blanc.png"/>
-          <p:cNvPicPr>
-            <a:picLocks noChangeAspect="1"/>
-          </p:cNvPicPr>
-          <p:nvPr/>
-        </p:nvPicPr>
-        <p:blipFill>
-          <a:blip r:embed="rId4">
-            <a:extLst>
-              <a:ext uri="{28A0092B-C50C-407E-A947-70E740481C1C}">
-                <a14:useLocalDpi xmlns:a14="http://schemas.microsoft.com/office/drawing/2010/main" val="0"/>
-              </a:ext>
-            </a:extLst>
-          </a:blip>
-          <a:stretch>
-            <a:fillRect/>
-          </a:stretch>
-        </p:blipFill>
-        <p:spPr>
-          <a:xfrm>
-            <a:off x="401390" y="250040"/>
-            <a:ext cx="1625308" cy="435221"/>
-          </a:xfrm>
-          <a:prstGeom prst="rect">
-            <a:avLst/>
-          </a:prstGeom>
-        </p:spPr>
-      </p:pic>
       <p:sp>
         <p:nvSpPr>
           <p:cNvPr id="10" name="Rectangle 9"/>
@@ -9327,6 +9315,36 @@
           <p:nvPr/>
         </p:nvPicPr>
         <p:blipFill>
+          <a:blip r:embed="rId4">
+            <a:extLst>
+              <a:ext uri="{28A0092B-C50C-407E-A947-70E740481C1C}">
+                <a14:useLocalDpi xmlns:a14="http://schemas.microsoft.com/office/drawing/2010/main" val="0"/>
+              </a:ext>
+            </a:extLst>
+          </a:blip>
+          <a:stretch>
+            <a:fillRect/>
+          </a:stretch>
+        </p:blipFill>
+        <p:spPr>
+          <a:xfrm>
+            <a:off x="4278357" y="222943"/>
+            <a:ext cx="223533" cy="223533"/>
+          </a:xfrm>
+          <a:prstGeom prst="rect">
+            <a:avLst/>
+          </a:prstGeom>
+        </p:spPr>
+      </p:pic>
+      <p:pic>
+        <p:nvPicPr>
+          <p:cNvPr id="98" name="Picture 97" descr="frustrations-icon.png"/>
+          <p:cNvPicPr>
+            <a:picLocks noChangeAspect="1"/>
+          </p:cNvPicPr>
+          <p:nvPr/>
+        </p:nvPicPr>
+        <p:blipFill>
           <a:blip r:embed="rId5">
             <a:extLst>
               <a:ext uri="{28A0092B-C50C-407E-A947-70E740481C1C}">
@@ -9340,8 +9358,8 @@
         </p:blipFill>
         <p:spPr>
           <a:xfrm>
-            <a:off x="4278357" y="222943"/>
-            <a:ext cx="223533" cy="223533"/>
+            <a:off x="4968035" y="4316385"/>
+            <a:ext cx="208249" cy="208249"/>
           </a:xfrm>
           <a:prstGeom prst="rect">
             <a:avLst/>
@@ -9350,7 +9368,7 @@
       </p:pic>
       <p:pic>
         <p:nvPicPr>
-          <p:cNvPr id="98" name="Picture 97" descr="frustrations-icon.png"/>
+          <p:cNvPr id="99" name="Picture 98" descr="goals-icon.png"/>
           <p:cNvPicPr>
             <a:picLocks noChangeAspect="1"/>
           </p:cNvPicPr>
@@ -9370,8 +9388,8 @@
         </p:blipFill>
         <p:spPr>
           <a:xfrm>
-            <a:off x="4968035" y="4316385"/>
-            <a:ext cx="208249" cy="208249"/>
+            <a:off x="2726668" y="4233476"/>
+            <a:ext cx="240427" cy="240427"/>
           </a:xfrm>
           <a:prstGeom prst="rect">
             <a:avLst/>
@@ -9380,7 +9398,7 @@
       </p:pic>
       <p:pic>
         <p:nvPicPr>
-          <p:cNvPr id="99" name="Picture 98" descr="goals-icon.png"/>
+          <p:cNvPr id="101" name="Picture 100" descr="personality-icon.png"/>
           <p:cNvPicPr>
             <a:picLocks noChangeAspect="1"/>
           </p:cNvPicPr>
@@ -9400,7 +9418,7 @@
         </p:blipFill>
         <p:spPr>
           <a:xfrm>
-            <a:off x="2726668" y="4233476"/>
+            <a:off x="2596717" y="209907"/>
             <a:ext cx="240427" cy="240427"/>
           </a:xfrm>
           <a:prstGeom prst="rect">
@@ -9410,7 +9428,7 @@
       </p:pic>
       <p:pic>
         <p:nvPicPr>
-          <p:cNvPr id="101" name="Picture 100" descr="personality-icon.png"/>
+          <p:cNvPr id="3" name="Picture 2" descr="motivations-icon.png"/>
           <p:cNvPicPr>
             <a:picLocks noChangeAspect="1"/>
           </p:cNvPicPr>
@@ -9430,36 +9448,6 @@
         </p:blipFill>
         <p:spPr>
           <a:xfrm>
-            <a:off x="2596717" y="209907"/>
-            <a:ext cx="240427" cy="240427"/>
-          </a:xfrm>
-          <a:prstGeom prst="rect">
-            <a:avLst/>
-          </a:prstGeom>
-        </p:spPr>
-      </p:pic>
-      <p:pic>
-        <p:nvPicPr>
-          <p:cNvPr id="3" name="Picture 2" descr="motivations-icon.png"/>
-          <p:cNvPicPr>
-            <a:picLocks noChangeAspect="1"/>
-          </p:cNvPicPr>
-          <p:nvPr/>
-        </p:nvPicPr>
-        <p:blipFill>
-          <a:blip r:embed="rId9">
-            <a:extLst>
-              <a:ext uri="{28A0092B-C50C-407E-A947-70E740481C1C}">
-                <a14:useLocalDpi xmlns:a14="http://schemas.microsoft.com/office/drawing/2010/main" val="0"/>
-              </a:ext>
-            </a:extLst>
-          </a:blip>
-          <a:stretch>
-            <a:fillRect/>
-          </a:stretch>
-        </p:blipFill>
-        <p:spPr>
-          <a:xfrm>
             <a:off x="2755199" y="3006655"/>
             <a:ext cx="158808" cy="230832"/>
           </a:xfrm>
@@ -9889,6 +9877,54 @@
           <a:p>
             <a:pPr algn="ctr"/>
             <a:endParaRPr lang="en-US" dirty="0"/>
+          </a:p>
+        </p:txBody>
+      </p:sp>
+      <p:sp>
+        <p:nvSpPr>
+          <p:cNvPr id="68" name="CasellaDiTesto 67">
+            <a:extLst>
+              <a:ext uri="{FF2B5EF4-FFF2-40B4-BE49-F238E27FC236}">
+                <a16:creationId xmlns:a16="http://schemas.microsoft.com/office/drawing/2014/main" id="{8C0FBED3-EA1D-4012-A504-B29C2B6846B2}"/>
+              </a:ext>
+            </a:extLst>
+          </p:cNvPr>
+          <p:cNvSpPr txBox="1"/>
+          <p:nvPr/>
+        </p:nvSpPr>
+        <p:spPr>
+          <a:xfrm>
+            <a:off x="329065" y="155914"/>
+            <a:ext cx="1593706" cy="830997"/>
+          </a:xfrm>
+          <a:prstGeom prst="rect">
+            <a:avLst/>
+          </a:prstGeom>
+          <a:noFill/>
+        </p:spPr>
+        <p:txBody>
+          <a:bodyPr wrap="none" rtlCol="0">
+            <a:spAutoFit/>
+          </a:bodyPr>
+          <a:lstStyle/>
+          <a:p>
+            <a:r>
+              <a:rPr lang="en-GB" sz="4800" dirty="0" err="1">
+                <a:solidFill>
+                  <a:schemeClr val="bg1"/>
+                </a:solidFill>
+                <a:latin typeface="Calibri Light" panose="020F0302020204030204" pitchFamily="34" charset="0"/>
+                <a:cs typeface="Calibri Light" panose="020F0302020204030204" pitchFamily="34" charset="0"/>
+              </a:rPr>
+              <a:t>MuSa</a:t>
+            </a:r>
+            <a:endParaRPr lang="it-IT" sz="4800" dirty="0">
+              <a:solidFill>
+                <a:schemeClr val="bg1"/>
+              </a:solidFill>
+              <a:latin typeface="Calibri Light" panose="020F0302020204030204" pitchFamily="34" charset="0"/>
+              <a:cs typeface="Calibri Light" panose="020F0302020204030204" pitchFamily="34" charset="0"/>
+            </a:endParaRPr>
           </a:p>
         </p:txBody>
       </p:sp>
@@ -9945,36 +9981,6 @@
           </a:prstGeom>
         </p:spPr>
       </p:pic>
-      <p:pic>
-        <p:nvPicPr>
-          <p:cNvPr id="8" name="Picture 7" descr="logo-jim-blanc.png"/>
-          <p:cNvPicPr>
-            <a:picLocks noChangeAspect="1"/>
-          </p:cNvPicPr>
-          <p:nvPr/>
-        </p:nvPicPr>
-        <p:blipFill>
-          <a:blip r:embed="rId4">
-            <a:extLst>
-              <a:ext uri="{28A0092B-C50C-407E-A947-70E740481C1C}">
-                <a14:useLocalDpi xmlns:a14="http://schemas.microsoft.com/office/drawing/2010/main" val="0"/>
-              </a:ext>
-            </a:extLst>
-          </a:blip>
-          <a:stretch>
-            <a:fillRect/>
-          </a:stretch>
-        </p:blipFill>
-        <p:spPr>
-          <a:xfrm>
-            <a:off x="401390" y="250040"/>
-            <a:ext cx="1625308" cy="435221"/>
-          </a:xfrm>
-          <a:prstGeom prst="rect">
-            <a:avLst/>
-          </a:prstGeom>
-        </p:spPr>
-      </p:pic>
       <p:sp>
         <p:nvSpPr>
           <p:cNvPr id="10" name="Rectangle 9"/>
@@ -12493,6 +12499,36 @@
           <p:nvPr/>
         </p:nvPicPr>
         <p:blipFill>
+          <a:blip r:embed="rId4">
+            <a:extLst>
+              <a:ext uri="{28A0092B-C50C-407E-A947-70E740481C1C}">
+                <a14:useLocalDpi xmlns:a14="http://schemas.microsoft.com/office/drawing/2010/main" val="0"/>
+              </a:ext>
+            </a:extLst>
+          </a:blip>
+          <a:stretch>
+            <a:fillRect/>
+          </a:stretch>
+        </p:blipFill>
+        <p:spPr>
+          <a:xfrm>
+            <a:off x="4278357" y="222943"/>
+            <a:ext cx="223533" cy="223533"/>
+          </a:xfrm>
+          <a:prstGeom prst="rect">
+            <a:avLst/>
+          </a:prstGeom>
+        </p:spPr>
+      </p:pic>
+      <p:pic>
+        <p:nvPicPr>
+          <p:cNvPr id="98" name="Picture 97" descr="frustrations-icon.png"/>
+          <p:cNvPicPr>
+            <a:picLocks noChangeAspect="1"/>
+          </p:cNvPicPr>
+          <p:nvPr/>
+        </p:nvPicPr>
+        <p:blipFill>
           <a:blip r:embed="rId5">
             <a:extLst>
               <a:ext uri="{28A0092B-C50C-407E-A947-70E740481C1C}">
@@ -12506,8 +12542,8 @@
         </p:blipFill>
         <p:spPr>
           <a:xfrm>
-            <a:off x="4278357" y="222943"/>
-            <a:ext cx="223533" cy="223533"/>
+            <a:off x="4968035" y="4316385"/>
+            <a:ext cx="208249" cy="208249"/>
           </a:xfrm>
           <a:prstGeom prst="rect">
             <a:avLst/>
@@ -12516,7 +12552,7 @@
       </p:pic>
       <p:pic>
         <p:nvPicPr>
-          <p:cNvPr id="98" name="Picture 97" descr="frustrations-icon.png"/>
+          <p:cNvPr id="99" name="Picture 98" descr="goals-icon.png"/>
           <p:cNvPicPr>
             <a:picLocks noChangeAspect="1"/>
           </p:cNvPicPr>
@@ -12536,8 +12572,8 @@
         </p:blipFill>
         <p:spPr>
           <a:xfrm>
-            <a:off x="4968035" y="4316385"/>
-            <a:ext cx="208249" cy="208249"/>
+            <a:off x="2726668" y="4233476"/>
+            <a:ext cx="240427" cy="240427"/>
           </a:xfrm>
           <a:prstGeom prst="rect">
             <a:avLst/>
@@ -12546,7 +12582,7 @@
       </p:pic>
       <p:pic>
         <p:nvPicPr>
-          <p:cNvPr id="99" name="Picture 98" descr="goals-icon.png"/>
+          <p:cNvPr id="101" name="Picture 100" descr="personality-icon.png"/>
           <p:cNvPicPr>
             <a:picLocks noChangeAspect="1"/>
           </p:cNvPicPr>
@@ -12566,7 +12602,7 @@
         </p:blipFill>
         <p:spPr>
           <a:xfrm>
-            <a:off x="2726668" y="4233476"/>
+            <a:off x="2596717" y="209907"/>
             <a:ext cx="240427" cy="240427"/>
           </a:xfrm>
           <a:prstGeom prst="rect">
@@ -12576,7 +12612,7 @@
       </p:pic>
       <p:pic>
         <p:nvPicPr>
-          <p:cNvPr id="101" name="Picture 100" descr="personality-icon.png"/>
+          <p:cNvPr id="3" name="Picture 2" descr="motivations-icon.png"/>
           <p:cNvPicPr>
             <a:picLocks noChangeAspect="1"/>
           </p:cNvPicPr>
@@ -12596,36 +12632,6 @@
         </p:blipFill>
         <p:spPr>
           <a:xfrm>
-            <a:off x="2596717" y="209907"/>
-            <a:ext cx="240427" cy="240427"/>
-          </a:xfrm>
-          <a:prstGeom prst="rect">
-            <a:avLst/>
-          </a:prstGeom>
-        </p:spPr>
-      </p:pic>
-      <p:pic>
-        <p:nvPicPr>
-          <p:cNvPr id="3" name="Picture 2" descr="motivations-icon.png"/>
-          <p:cNvPicPr>
-            <a:picLocks noChangeAspect="1"/>
-          </p:cNvPicPr>
-          <p:nvPr/>
-        </p:nvPicPr>
-        <p:blipFill>
-          <a:blip r:embed="rId9">
-            <a:extLst>
-              <a:ext uri="{28A0092B-C50C-407E-A947-70E740481C1C}">
-                <a14:useLocalDpi xmlns:a14="http://schemas.microsoft.com/office/drawing/2010/main" val="0"/>
-              </a:ext>
-            </a:extLst>
-          </a:blip>
-          <a:stretch>
-            <a:fillRect/>
-          </a:stretch>
-        </p:blipFill>
-        <p:spPr>
-          <a:xfrm>
             <a:off x="2755199" y="3006655"/>
             <a:ext cx="158808" cy="230832"/>
           </a:xfrm>
@@ -13055,6 +13061,54 @@
           <a:p>
             <a:pPr algn="ctr"/>
             <a:endParaRPr lang="en-US" dirty="0"/>
+          </a:p>
+        </p:txBody>
+      </p:sp>
+      <p:sp>
+        <p:nvSpPr>
+          <p:cNvPr id="68" name="CasellaDiTesto 67">
+            <a:extLst>
+              <a:ext uri="{FF2B5EF4-FFF2-40B4-BE49-F238E27FC236}">
+                <a16:creationId xmlns:a16="http://schemas.microsoft.com/office/drawing/2014/main" id="{98D364F5-C1FE-4BA5-B818-80A2AD56BD83}"/>
+              </a:ext>
+            </a:extLst>
+          </p:cNvPr>
+          <p:cNvSpPr txBox="1"/>
+          <p:nvPr/>
+        </p:nvSpPr>
+        <p:spPr>
+          <a:xfrm>
+            <a:off x="329065" y="131200"/>
+            <a:ext cx="1593706" cy="830997"/>
+          </a:xfrm>
+          <a:prstGeom prst="rect">
+            <a:avLst/>
+          </a:prstGeom>
+          <a:noFill/>
+        </p:spPr>
+        <p:txBody>
+          <a:bodyPr wrap="none" rtlCol="0">
+            <a:spAutoFit/>
+          </a:bodyPr>
+          <a:lstStyle/>
+          <a:p>
+            <a:r>
+              <a:rPr lang="en-GB" sz="4800" dirty="0" err="1">
+                <a:solidFill>
+                  <a:schemeClr val="bg1"/>
+                </a:solidFill>
+                <a:latin typeface="Calibri Light" panose="020F0302020204030204" pitchFamily="34" charset="0"/>
+                <a:cs typeface="Calibri Light" panose="020F0302020204030204" pitchFamily="34" charset="0"/>
+              </a:rPr>
+              <a:t>MuSa</a:t>
+            </a:r>
+            <a:endParaRPr lang="it-IT" sz="4800" dirty="0">
+              <a:solidFill>
+                <a:schemeClr val="bg1"/>
+              </a:solidFill>
+              <a:latin typeface="Calibri Light" panose="020F0302020204030204" pitchFamily="34" charset="0"/>
+              <a:cs typeface="Calibri Light" panose="020F0302020204030204" pitchFamily="34" charset="0"/>
+            </a:endParaRPr>
           </a:p>
         </p:txBody>
       </p:sp>
